--- a/docs/demo/file/p1.pptx
+++ b/docs/demo/file/p1.pptx
@@ -1221,7 +1221,7 @@
           <p:cNvPr id="2" name="页眉占位符 1">
             <a:extLst>
               <a:ext uri="{FF2B5EF4-FFF2-40B4-BE49-F238E27FC236}">
-                <a16:creationId xmlns:a16="http://schemas.microsoft.com/office/drawing/2014/main" xmlns="" id="{8768BEA6-295A-4B48-9898-7CD9E401970C}"/>
+                <a16:creationId xmlns="" xmlns:a16="http://schemas.microsoft.com/office/drawing/2014/main" id="{8768BEA6-295A-4B48-9898-7CD9E401970C}"/>
               </a:ext>
             </a:extLst>
           </p:cNvPr>
@@ -1261,7 +1261,7 @@
           <p:cNvPr id="3" name="日期占位符 2">
             <a:extLst>
               <a:ext uri="{FF2B5EF4-FFF2-40B4-BE49-F238E27FC236}">
-                <a16:creationId xmlns:a16="http://schemas.microsoft.com/office/drawing/2014/main" xmlns="" id="{557DAB2C-804F-4A1A-A957-839E9DF8573D}"/>
+                <a16:creationId xmlns="" xmlns:a16="http://schemas.microsoft.com/office/drawing/2014/main" id="{557DAB2C-804F-4A1A-A957-839E9DF8573D}"/>
               </a:ext>
             </a:extLst>
           </p:cNvPr>
@@ -1294,7 +1294,7 @@
                 <a:latin typeface="Microsoft YaHei UI" panose="020B0503020204020204" pitchFamily="34" charset="-122"/>
                 <a:ea typeface="Microsoft YaHei UI" panose="020B0503020204020204" pitchFamily="34" charset="-122"/>
               </a:rPr>
-              <a:t>2020/7/6</a:t>
+              <a:t>2020/7/12</a:t>
             </a:fld>
             <a:endParaRPr lang="zh-CN" altLang="en-US" noProof="1">
               <a:latin typeface="Microsoft YaHei UI" panose="020B0503020204020204" pitchFamily="34" charset="-122"/>
@@ -1308,7 +1308,7 @@
           <p:cNvPr id="4" name="页脚占位符 3">
             <a:extLst>
               <a:ext uri="{FF2B5EF4-FFF2-40B4-BE49-F238E27FC236}">
-                <a16:creationId xmlns:a16="http://schemas.microsoft.com/office/drawing/2014/main" xmlns="" id="{A97817B3-93B3-40BE-A3E1-69D67DF48CC4}"/>
+                <a16:creationId xmlns="" xmlns:a16="http://schemas.microsoft.com/office/drawing/2014/main" id="{A97817B3-93B3-40BE-A3E1-69D67DF48CC4}"/>
               </a:ext>
             </a:extLst>
           </p:cNvPr>
@@ -1348,7 +1348,7 @@
           <p:cNvPr id="5" name="灯片编号占位符 4">
             <a:extLst>
               <a:ext uri="{FF2B5EF4-FFF2-40B4-BE49-F238E27FC236}">
-                <a16:creationId xmlns:a16="http://schemas.microsoft.com/office/drawing/2014/main" xmlns="" id="{DB0DE84E-C609-41E0-B2B1-102119C4138F}"/>
+                <a16:creationId xmlns="" xmlns:a16="http://schemas.microsoft.com/office/drawing/2014/main" id="{DB0DE84E-C609-41E0-B2B1-102119C4138F}"/>
               </a:ext>
             </a:extLst>
           </p:cNvPr>
@@ -1490,7 +1490,7 @@
           <a:p>
             <a:fld id="{D3817120-FE20-47E6-92D2-B4094FC1BB7A}" type="datetime1">
               <a:rPr lang="zh-CN" altLang="en-US" noProof="1" smtClean="0"/>
-              <a:t>2020/7/6</a:t>
+              <a:t>2020/7/12</a:t>
             </a:fld>
             <a:endParaRPr lang="zh-CN" altLang="en-US" noProof="1"/>
           </a:p>
@@ -2329,7 +2329,7 @@
             <a:pPr rtl="0"/>
             <a:fld id="{C6A1944A-E2DF-45B6-A60C-A27D14D72CBA}" type="datetime1">
               <a:rPr lang="zh-CN" altLang="en-US" noProof="1" smtClean="0"/>
-              <a:t>2020/7/6</a:t>
+              <a:t>2020/7/12</a:t>
             </a:fld>
             <a:endParaRPr lang="zh-CN" altLang="en-US" noProof="1"/>
           </a:p>
@@ -2614,7 +2614,7 @@
             <a:pPr rtl="0"/>
             <a:fld id="{35B5E890-9DB2-4D03-993B-73937DBB0595}" type="datetime1">
               <a:rPr lang="zh-CN" altLang="en-US" noProof="1" smtClean="0"/>
-              <a:t>2020/7/6</a:t>
+              <a:t>2020/7/12</a:t>
             </a:fld>
             <a:endParaRPr lang="zh-CN" altLang="en-US" noProof="1"/>
           </a:p>
@@ -2904,7 +2904,7 @@
             <a:pPr rtl="0"/>
             <a:fld id="{9D0576C9-7BD5-416B-83A6-3A459F90841D}" type="datetime1">
               <a:rPr lang="zh-CN" altLang="en-US" noProof="1" smtClean="0"/>
-              <a:t>2020/7/6</a:t>
+              <a:t>2020/7/12</a:t>
             </a:fld>
             <a:endParaRPr lang="zh-CN" altLang="en-US" noProof="1"/>
           </a:p>
@@ -3273,7 +3273,7 @@
             <a:pPr rtl="0"/>
             <a:fld id="{C40868EE-4DD7-413D-AE5E-83AF066BD7BC}" type="datetime1">
               <a:rPr lang="zh-CN" altLang="en-US" noProof="1" smtClean="0"/>
-              <a:t>2020/7/6</a:t>
+              <a:t>2020/7/12</a:t>
             </a:fld>
             <a:endParaRPr lang="zh-CN" altLang="en-US" noProof="1"/>
           </a:p>
@@ -3581,7 +3581,7 @@
             <a:pPr rtl="0"/>
             <a:fld id="{2AA32019-F8E6-4A76-935C-E3414CA717C6}" type="datetime1">
               <a:rPr lang="zh-CN" altLang="en-US" noProof="1" smtClean="0"/>
-              <a:t>2020/7/6</a:t>
+              <a:t>2020/7/12</a:t>
             </a:fld>
             <a:endParaRPr lang="zh-CN" altLang="en-US" noProof="1"/>
           </a:p>
@@ -4104,7 +4104,7 @@
             <a:pPr rtl="0"/>
             <a:fld id="{56EF131C-040A-4332-8DFE-B61A7733D541}" type="datetime1">
               <a:rPr lang="zh-CN" altLang="en-US" noProof="1" smtClean="0"/>
-              <a:t>2020/7/6</a:t>
+              <a:t>2020/7/12</a:t>
             </a:fld>
             <a:endParaRPr lang="zh-CN" altLang="en-US" noProof="1"/>
           </a:p>
@@ -4757,7 +4757,7 @@
             <a:pPr rtl="0"/>
             <a:fld id="{7FEA2BFA-CB66-4899-A909-CE035F82A1F8}" type="datetime1">
               <a:rPr lang="zh-CN" altLang="en-US" noProof="1" smtClean="0"/>
-              <a:t>2020/7/6</a:t>
+              <a:t>2020/7/12</a:t>
             </a:fld>
             <a:endParaRPr lang="zh-CN" altLang="en-US" noProof="1"/>
           </a:p>
@@ -4990,7 +4990,7 @@
             <a:pPr rtl="0"/>
             <a:fld id="{60DE7923-DB5B-40E6-9799-766ACDC7575D}" type="datetime1">
               <a:rPr lang="zh-CN" altLang="en-US" noProof="1" smtClean="0"/>
-              <a:t>2020/7/6</a:t>
+              <a:t>2020/7/12</a:t>
             </a:fld>
             <a:endParaRPr lang="zh-CN" altLang="en-US" noProof="1"/>
           </a:p>
@@ -5136,7 +5136,7 @@
             <a:pPr rtl="0"/>
             <a:fld id="{F1D5EF73-3977-4FBD-9A1F-2AF86F4BA937}" type="datetime1">
               <a:rPr lang="zh-CN" altLang="en-US" noProof="1" smtClean="0"/>
-              <a:t>2020/7/6</a:t>
+              <a:t>2020/7/12</a:t>
             </a:fld>
             <a:endParaRPr lang="zh-CN" altLang="en-US" noProof="1"/>
           </a:p>
@@ -5477,7 +5477,7 @@
             <a:pPr rtl="0"/>
             <a:fld id="{FCA75697-E0B3-44C5-A484-742964AA8024}" type="datetime1">
               <a:rPr lang="zh-CN" altLang="en-US" noProof="1" smtClean="0"/>
-              <a:t>2020/7/6</a:t>
+              <a:t>2020/7/12</a:t>
             </a:fld>
             <a:endParaRPr lang="zh-CN" altLang="en-US" noProof="1"/>
           </a:p>
@@ -5738,7 +5738,7 @@
             <a:pPr rtl="0"/>
             <a:fld id="{1D4BBF4C-9153-4173-BA0F-756B7E433659}" type="datetime1">
               <a:rPr lang="zh-CN" altLang="en-US" noProof="1" smtClean="0"/>
-              <a:t>2020/7/6</a:t>
+              <a:t>2020/7/12</a:t>
             </a:fld>
             <a:endParaRPr lang="zh-CN" altLang="en-US" noProof="1"/>
           </a:p>
@@ -5953,7 +5953,7 @@
           <a:p>
             <a:fld id="{8B60F440-79C9-460C-BBC3-D47398EA736A}" type="datetime1">
               <a:rPr lang="zh-CN" altLang="en-US" noProof="1" smtClean="0"/>
-              <a:t>2020/7/6</a:t>
+              <a:t>2020/7/12</a:t>
             </a:fld>
             <a:endParaRPr lang="zh-CN" altLang="en-US" noProof="1"/>
           </a:p>
@@ -7716,129 +7716,12 @@
 </file>
 
 <file path=customXml/item1.xml><?xml version="1.0" encoding="utf-8"?>
-<p:properties xmlns:p="http://schemas.microsoft.com/office/2006/metadata/properties" xmlns:xsi="http://www.w3.org/2001/XMLSchema-instance" xmlns:pc="http://schemas.microsoft.com/office/infopath/2007/PartnerControls">
-  <documentManagement>
-    <DirectSourceMarket xmlns="4873beb7-5857-4685-be1f-d57550cc96cc" xsi:nil="true"/>
-    <ApprovalStatus xmlns="4873beb7-5857-4685-be1f-d57550cc96cc">InProgress</ApprovalStatus>
-    <MarketSpecific xmlns="4873beb7-5857-4685-be1f-d57550cc96cc">false</MarketSpecific>
-    <LocComments xmlns="4873beb7-5857-4685-be1f-d57550cc96cc" xsi:nil="true"/>
-    <ThumbnailAssetId xmlns="4873beb7-5857-4685-be1f-d57550cc96cc" xsi:nil="true"/>
-    <PrimaryImageGen xmlns="4873beb7-5857-4685-be1f-d57550cc96cc">true</PrimaryImageGen>
-    <LegacyData xmlns="4873beb7-5857-4685-be1f-d57550cc96cc" xsi:nil="true"/>
-    <LocRecommendedHandoff xmlns="4873beb7-5857-4685-be1f-d57550cc96cc" xsi:nil="true"/>
-    <BusinessGroup xmlns="4873beb7-5857-4685-be1f-d57550cc96cc" xsi:nil="true"/>
-    <BlockPublish xmlns="4873beb7-5857-4685-be1f-d57550cc96cc">false</BlockPublish>
-    <TPFriendlyName xmlns="4873beb7-5857-4685-be1f-d57550cc96cc" xsi:nil="true"/>
-    <NumericId xmlns="4873beb7-5857-4685-be1f-d57550cc96cc" xsi:nil="true"/>
-    <APEditor xmlns="4873beb7-5857-4685-be1f-d57550cc96cc">
-      <UserInfo>
-        <DisplayName/>
-        <AccountId xsi:nil="true"/>
-        <AccountType/>
-      </UserInfo>
-    </APEditor>
-    <SourceTitle xmlns="4873beb7-5857-4685-be1f-d57550cc96cc" xsi:nil="true"/>
-    <OpenTemplate xmlns="4873beb7-5857-4685-be1f-d57550cc96cc">true</OpenTemplate>
-    <UALocComments xmlns="4873beb7-5857-4685-be1f-d57550cc96cc" xsi:nil="true"/>
-    <ParentAssetId xmlns="4873beb7-5857-4685-be1f-d57550cc96cc" xsi:nil="true"/>
-    <IntlLangReviewDate xmlns="4873beb7-5857-4685-be1f-d57550cc96cc" xsi:nil="true"/>
-    <FeatureTagsTaxHTField0 xmlns="4873beb7-5857-4685-be1f-d57550cc96cc">
-      <Terms xmlns="http://schemas.microsoft.com/office/infopath/2007/PartnerControls"/>
-    </FeatureTagsTaxHTField0>
-    <PublishStatusLookup xmlns="4873beb7-5857-4685-be1f-d57550cc96cc">
-      <Value>1584528</Value>
-    </PublishStatusLookup>
-    <Providers xmlns="4873beb7-5857-4685-be1f-d57550cc96cc" xsi:nil="true"/>
-    <MachineTranslated xmlns="4873beb7-5857-4685-be1f-d57550cc96cc">false</MachineTranslated>
-    <OriginalSourceMarket xmlns="4873beb7-5857-4685-be1f-d57550cc96cc" xsi:nil="true"/>
-    <APDescription xmlns="4873beb7-5857-4685-be1f-d57550cc96cc" xsi:nil="true"/>
-    <ClipArtFilename xmlns="4873beb7-5857-4685-be1f-d57550cc96cc" xsi:nil="true"/>
-    <ContentItem xmlns="4873beb7-5857-4685-be1f-d57550cc96cc" xsi:nil="true"/>
-    <TPInstallLocation xmlns="4873beb7-5857-4685-be1f-d57550cc96cc" xsi:nil="true"/>
-    <PublishTargets xmlns="4873beb7-5857-4685-be1f-d57550cc96cc">OfficeOnlineVNext</PublishTargets>
-    <TimesCloned xmlns="4873beb7-5857-4685-be1f-d57550cc96cc" xsi:nil="true"/>
-    <AssetStart xmlns="4873beb7-5857-4685-be1f-d57550cc96cc">2012-06-20T23:39:00+00:00</AssetStart>
-    <Provider xmlns="4873beb7-5857-4685-be1f-d57550cc96cc" xsi:nil="true"/>
-    <AcquiredFrom xmlns="4873beb7-5857-4685-be1f-d57550cc96cc">Internal MS</AcquiredFrom>
-    <FriendlyTitle xmlns="4873beb7-5857-4685-be1f-d57550cc96cc" xsi:nil="true"/>
-    <LastHandOff xmlns="4873beb7-5857-4685-be1f-d57550cc96cc" xsi:nil="true"/>
-    <TPClientViewer xmlns="4873beb7-5857-4685-be1f-d57550cc96cc" xsi:nil="true"/>
-    <UACurrentWords xmlns="4873beb7-5857-4685-be1f-d57550cc96cc" xsi:nil="true"/>
-    <ArtSampleDocs xmlns="4873beb7-5857-4685-be1f-d57550cc96cc" xsi:nil="true"/>
-    <UALocRecommendation xmlns="4873beb7-5857-4685-be1f-d57550cc96cc">Localize</UALocRecommendation>
-    <Manager xmlns="4873beb7-5857-4685-be1f-d57550cc96cc" xsi:nil="true"/>
-    <ShowIn xmlns="4873beb7-5857-4685-be1f-d57550cc96cc">Show everywhere</ShowIn>
-    <UANotes xmlns="4873beb7-5857-4685-be1f-d57550cc96cc" xsi:nil="true"/>
-    <TemplateStatus xmlns="4873beb7-5857-4685-be1f-d57550cc96cc">Complete</TemplateStatus>
-    <InternalTagsTaxHTField0 xmlns="4873beb7-5857-4685-be1f-d57550cc96cc">
-      <Terms xmlns="http://schemas.microsoft.com/office/infopath/2007/PartnerControls"/>
-    </InternalTagsTaxHTField0>
-    <CSXHash xmlns="4873beb7-5857-4685-be1f-d57550cc96cc" xsi:nil="true"/>
-    <Downloads xmlns="4873beb7-5857-4685-be1f-d57550cc96cc">0</Downloads>
-    <VoteCount xmlns="4873beb7-5857-4685-be1f-d57550cc96cc" xsi:nil="true"/>
-    <OOCacheId xmlns="4873beb7-5857-4685-be1f-d57550cc96cc" xsi:nil="true"/>
-    <IsDeleted xmlns="4873beb7-5857-4685-be1f-d57550cc96cc">false</IsDeleted>
-    <AssetExpire xmlns="4873beb7-5857-4685-be1f-d57550cc96cc">2029-01-01T08:00:00+00:00</AssetExpire>
-    <DSATActionTaken xmlns="4873beb7-5857-4685-be1f-d57550cc96cc" xsi:nil="true"/>
-    <CSXSubmissionMarket xmlns="4873beb7-5857-4685-be1f-d57550cc96cc" xsi:nil="true"/>
-    <TPExecutable xmlns="4873beb7-5857-4685-be1f-d57550cc96cc" xsi:nil="true"/>
-    <SubmitterId xmlns="4873beb7-5857-4685-be1f-d57550cc96cc" xsi:nil="true"/>
-    <EditorialTags xmlns="4873beb7-5857-4685-be1f-d57550cc96cc" xsi:nil="true"/>
-    <ApprovalLog xmlns="4873beb7-5857-4685-be1f-d57550cc96cc" xsi:nil="true"/>
-    <AssetType xmlns="4873beb7-5857-4685-be1f-d57550cc96cc">TP</AssetType>
-    <BugNumber xmlns="4873beb7-5857-4685-be1f-d57550cc96cc" xsi:nil="true"/>
-    <CSXSubmissionDate xmlns="4873beb7-5857-4685-be1f-d57550cc96cc" xsi:nil="true"/>
-    <CSXUpdate xmlns="4873beb7-5857-4685-be1f-d57550cc96cc">false</CSXUpdate>
-    <Milestone xmlns="4873beb7-5857-4685-be1f-d57550cc96cc" xsi:nil="true"/>
-    <RecommendationsModifier xmlns="4873beb7-5857-4685-be1f-d57550cc96cc" xsi:nil="true"/>
-    <OriginAsset xmlns="4873beb7-5857-4685-be1f-d57550cc96cc" xsi:nil="true"/>
-    <TPComponent xmlns="4873beb7-5857-4685-be1f-d57550cc96cc" xsi:nil="true"/>
-    <AssetId xmlns="4873beb7-5857-4685-be1f-d57550cc96cc">TP102923943</AssetId>
-    <IntlLocPriority xmlns="4873beb7-5857-4685-be1f-d57550cc96cc" xsi:nil="true"/>
-    <PolicheckWords xmlns="4873beb7-5857-4685-be1f-d57550cc96cc" xsi:nil="true"/>
-    <TPLaunchHelpLink xmlns="4873beb7-5857-4685-be1f-d57550cc96cc" xsi:nil="true"/>
-    <TPApplication xmlns="4873beb7-5857-4685-be1f-d57550cc96cc" xsi:nil="true"/>
-    <CrawlForDependencies xmlns="4873beb7-5857-4685-be1f-d57550cc96cc">false</CrawlForDependencies>
-    <HandoffToMSDN xmlns="4873beb7-5857-4685-be1f-d57550cc96cc" xsi:nil="true"/>
-    <PlannedPubDate xmlns="4873beb7-5857-4685-be1f-d57550cc96cc" xsi:nil="true"/>
-    <IntlLangReviewer xmlns="4873beb7-5857-4685-be1f-d57550cc96cc" xsi:nil="true"/>
-    <TrustLevel xmlns="4873beb7-5857-4685-be1f-d57550cc96cc">1 Microsoft Managed Content</TrustLevel>
-    <LocLastLocAttemptVersionLookup xmlns="4873beb7-5857-4685-be1f-d57550cc96cc">843282</LocLastLocAttemptVersionLookup>
-    <IsSearchable xmlns="4873beb7-5857-4685-be1f-d57550cc96cc">true</IsSearchable>
-    <TemplateTemplateType xmlns="4873beb7-5857-4685-be1f-d57550cc96cc">PowerPoint Template - Slideshow Launch</TemplateTemplateType>
-    <CampaignTagsTaxHTField0 xmlns="4873beb7-5857-4685-be1f-d57550cc96cc">
-      <Terms xmlns="http://schemas.microsoft.com/office/infopath/2007/PartnerControls"/>
-    </CampaignTagsTaxHTField0>
-    <TPNamespace xmlns="4873beb7-5857-4685-be1f-d57550cc96cc" xsi:nil="true"/>
-    <TaxCatchAll xmlns="4873beb7-5857-4685-be1f-d57550cc96cc"/>
-    <Markets xmlns="4873beb7-5857-4685-be1f-d57550cc96cc"/>
-    <UAProjectedTotalWords xmlns="4873beb7-5857-4685-be1f-d57550cc96cc" xsi:nil="true"/>
-    <IntlLangReview xmlns="4873beb7-5857-4685-be1f-d57550cc96cc">false</IntlLangReview>
-    <OutputCachingOn xmlns="4873beb7-5857-4685-be1f-d57550cc96cc">false</OutputCachingOn>
-    <AverageRating xmlns="4873beb7-5857-4685-be1f-d57550cc96cc" xsi:nil="true"/>
-    <LocMarketGroupTiers2 xmlns="4873beb7-5857-4685-be1f-d57550cc96cc" xsi:nil="true"/>
-    <APAuthor xmlns="4873beb7-5857-4685-be1f-d57550cc96cc">
-      <UserInfo>
-        <DisplayName>REDMOND\v-sa</DisplayName>
-        <AccountId>2467</AccountId>
-        <AccountType/>
-      </UserInfo>
-    </APAuthor>
-    <LocManualTestRequired xmlns="4873beb7-5857-4685-be1f-d57550cc96cc">false</LocManualTestRequired>
-    <TPCommandLine xmlns="4873beb7-5857-4685-be1f-d57550cc96cc" xsi:nil="true"/>
-    <TPAppVersion xmlns="4873beb7-5857-4685-be1f-d57550cc96cc" xsi:nil="true"/>
-    <EditorialStatus xmlns="4873beb7-5857-4685-be1f-d57550cc96cc">Complete</EditorialStatus>
-    <LastModifiedDateTime xmlns="4873beb7-5857-4685-be1f-d57550cc96cc" xsi:nil="true"/>
-    <ScenarioTagsTaxHTField0 xmlns="4873beb7-5857-4685-be1f-d57550cc96cc">
-      <Terms xmlns="http://schemas.microsoft.com/office/infopath/2007/PartnerControls"/>
-    </ScenarioTagsTaxHTField0>
-    <OriginalRelease xmlns="4873beb7-5857-4685-be1f-d57550cc96cc">15</OriginalRelease>
-    <TPLaunchHelpLinkType xmlns="4873beb7-5857-4685-be1f-d57550cc96cc">Template</TPLaunchHelpLinkType>
-    <LocalizationTagsTaxHTField0 xmlns="4873beb7-5857-4685-be1f-d57550cc96cc">
-      <Terms xmlns="http://schemas.microsoft.com/office/infopath/2007/PartnerControls"/>
-    </LocalizationTagsTaxHTField0>
-  </documentManagement>
-</p:properties>
+<?mso-contentType ?>
+<FormTemplates xmlns="http://schemas.microsoft.com/sharepoint/v3/contenttype/forms">
+  <Display>DocumentLibraryForm</Display>
+  <Edit>AssetEditForm</Edit>
+  <New>DocumentLibraryForm</New>
+</FormTemplates>
 </file>
 
 <file path=customXml/item2.xml><?xml version="1.0" encoding="utf-8"?>
@@ -8882,26 +8765,135 @@
 </file>
 
 <file path=customXml/item3.xml><?xml version="1.0" encoding="utf-8"?>
-<?mso-contentType ?>
-<FormTemplates xmlns="http://schemas.microsoft.com/sharepoint/v3/contenttype/forms">
-  <Display>DocumentLibraryForm</Display>
-  <Edit>AssetEditForm</Edit>
-  <New>DocumentLibraryForm</New>
-</FormTemplates>
+<p:properties xmlns:p="http://schemas.microsoft.com/office/2006/metadata/properties" xmlns:xsi="http://www.w3.org/2001/XMLSchema-instance" xmlns:pc="http://schemas.microsoft.com/office/infopath/2007/PartnerControls">
+  <documentManagement>
+    <DirectSourceMarket xmlns="4873beb7-5857-4685-be1f-d57550cc96cc" xsi:nil="true"/>
+    <ApprovalStatus xmlns="4873beb7-5857-4685-be1f-d57550cc96cc">InProgress</ApprovalStatus>
+    <MarketSpecific xmlns="4873beb7-5857-4685-be1f-d57550cc96cc">false</MarketSpecific>
+    <LocComments xmlns="4873beb7-5857-4685-be1f-d57550cc96cc" xsi:nil="true"/>
+    <ThumbnailAssetId xmlns="4873beb7-5857-4685-be1f-d57550cc96cc" xsi:nil="true"/>
+    <PrimaryImageGen xmlns="4873beb7-5857-4685-be1f-d57550cc96cc">true</PrimaryImageGen>
+    <LegacyData xmlns="4873beb7-5857-4685-be1f-d57550cc96cc" xsi:nil="true"/>
+    <LocRecommendedHandoff xmlns="4873beb7-5857-4685-be1f-d57550cc96cc" xsi:nil="true"/>
+    <BusinessGroup xmlns="4873beb7-5857-4685-be1f-d57550cc96cc" xsi:nil="true"/>
+    <BlockPublish xmlns="4873beb7-5857-4685-be1f-d57550cc96cc">false</BlockPublish>
+    <TPFriendlyName xmlns="4873beb7-5857-4685-be1f-d57550cc96cc" xsi:nil="true"/>
+    <NumericId xmlns="4873beb7-5857-4685-be1f-d57550cc96cc" xsi:nil="true"/>
+    <APEditor xmlns="4873beb7-5857-4685-be1f-d57550cc96cc">
+      <UserInfo>
+        <DisplayName/>
+        <AccountId xsi:nil="true"/>
+        <AccountType/>
+      </UserInfo>
+    </APEditor>
+    <SourceTitle xmlns="4873beb7-5857-4685-be1f-d57550cc96cc" xsi:nil="true"/>
+    <OpenTemplate xmlns="4873beb7-5857-4685-be1f-d57550cc96cc">true</OpenTemplate>
+    <UALocComments xmlns="4873beb7-5857-4685-be1f-d57550cc96cc" xsi:nil="true"/>
+    <ParentAssetId xmlns="4873beb7-5857-4685-be1f-d57550cc96cc" xsi:nil="true"/>
+    <IntlLangReviewDate xmlns="4873beb7-5857-4685-be1f-d57550cc96cc" xsi:nil="true"/>
+    <FeatureTagsTaxHTField0 xmlns="4873beb7-5857-4685-be1f-d57550cc96cc">
+      <Terms xmlns="http://schemas.microsoft.com/office/infopath/2007/PartnerControls"/>
+    </FeatureTagsTaxHTField0>
+    <PublishStatusLookup xmlns="4873beb7-5857-4685-be1f-d57550cc96cc">
+      <Value>1584528</Value>
+    </PublishStatusLookup>
+    <Providers xmlns="4873beb7-5857-4685-be1f-d57550cc96cc" xsi:nil="true"/>
+    <MachineTranslated xmlns="4873beb7-5857-4685-be1f-d57550cc96cc">false</MachineTranslated>
+    <OriginalSourceMarket xmlns="4873beb7-5857-4685-be1f-d57550cc96cc" xsi:nil="true"/>
+    <APDescription xmlns="4873beb7-5857-4685-be1f-d57550cc96cc" xsi:nil="true"/>
+    <ClipArtFilename xmlns="4873beb7-5857-4685-be1f-d57550cc96cc" xsi:nil="true"/>
+    <ContentItem xmlns="4873beb7-5857-4685-be1f-d57550cc96cc" xsi:nil="true"/>
+    <TPInstallLocation xmlns="4873beb7-5857-4685-be1f-d57550cc96cc" xsi:nil="true"/>
+    <PublishTargets xmlns="4873beb7-5857-4685-be1f-d57550cc96cc">OfficeOnlineVNext</PublishTargets>
+    <TimesCloned xmlns="4873beb7-5857-4685-be1f-d57550cc96cc" xsi:nil="true"/>
+    <AssetStart xmlns="4873beb7-5857-4685-be1f-d57550cc96cc">2012-06-20T23:39:00+00:00</AssetStart>
+    <Provider xmlns="4873beb7-5857-4685-be1f-d57550cc96cc" xsi:nil="true"/>
+    <AcquiredFrom xmlns="4873beb7-5857-4685-be1f-d57550cc96cc">Internal MS</AcquiredFrom>
+    <FriendlyTitle xmlns="4873beb7-5857-4685-be1f-d57550cc96cc" xsi:nil="true"/>
+    <LastHandOff xmlns="4873beb7-5857-4685-be1f-d57550cc96cc" xsi:nil="true"/>
+    <TPClientViewer xmlns="4873beb7-5857-4685-be1f-d57550cc96cc" xsi:nil="true"/>
+    <UACurrentWords xmlns="4873beb7-5857-4685-be1f-d57550cc96cc" xsi:nil="true"/>
+    <ArtSampleDocs xmlns="4873beb7-5857-4685-be1f-d57550cc96cc" xsi:nil="true"/>
+    <UALocRecommendation xmlns="4873beb7-5857-4685-be1f-d57550cc96cc">Localize</UALocRecommendation>
+    <Manager xmlns="4873beb7-5857-4685-be1f-d57550cc96cc" xsi:nil="true"/>
+    <ShowIn xmlns="4873beb7-5857-4685-be1f-d57550cc96cc">Show everywhere</ShowIn>
+    <UANotes xmlns="4873beb7-5857-4685-be1f-d57550cc96cc" xsi:nil="true"/>
+    <TemplateStatus xmlns="4873beb7-5857-4685-be1f-d57550cc96cc">Complete</TemplateStatus>
+    <InternalTagsTaxHTField0 xmlns="4873beb7-5857-4685-be1f-d57550cc96cc">
+      <Terms xmlns="http://schemas.microsoft.com/office/infopath/2007/PartnerControls"/>
+    </InternalTagsTaxHTField0>
+    <CSXHash xmlns="4873beb7-5857-4685-be1f-d57550cc96cc" xsi:nil="true"/>
+    <Downloads xmlns="4873beb7-5857-4685-be1f-d57550cc96cc">0</Downloads>
+    <VoteCount xmlns="4873beb7-5857-4685-be1f-d57550cc96cc" xsi:nil="true"/>
+    <OOCacheId xmlns="4873beb7-5857-4685-be1f-d57550cc96cc" xsi:nil="true"/>
+    <IsDeleted xmlns="4873beb7-5857-4685-be1f-d57550cc96cc">false</IsDeleted>
+    <AssetExpire xmlns="4873beb7-5857-4685-be1f-d57550cc96cc">2029-01-01T08:00:00+00:00</AssetExpire>
+    <DSATActionTaken xmlns="4873beb7-5857-4685-be1f-d57550cc96cc" xsi:nil="true"/>
+    <CSXSubmissionMarket xmlns="4873beb7-5857-4685-be1f-d57550cc96cc" xsi:nil="true"/>
+    <TPExecutable xmlns="4873beb7-5857-4685-be1f-d57550cc96cc" xsi:nil="true"/>
+    <SubmitterId xmlns="4873beb7-5857-4685-be1f-d57550cc96cc" xsi:nil="true"/>
+    <EditorialTags xmlns="4873beb7-5857-4685-be1f-d57550cc96cc" xsi:nil="true"/>
+    <ApprovalLog xmlns="4873beb7-5857-4685-be1f-d57550cc96cc" xsi:nil="true"/>
+    <AssetType xmlns="4873beb7-5857-4685-be1f-d57550cc96cc">TP</AssetType>
+    <BugNumber xmlns="4873beb7-5857-4685-be1f-d57550cc96cc" xsi:nil="true"/>
+    <CSXSubmissionDate xmlns="4873beb7-5857-4685-be1f-d57550cc96cc" xsi:nil="true"/>
+    <CSXUpdate xmlns="4873beb7-5857-4685-be1f-d57550cc96cc">false</CSXUpdate>
+    <Milestone xmlns="4873beb7-5857-4685-be1f-d57550cc96cc" xsi:nil="true"/>
+    <RecommendationsModifier xmlns="4873beb7-5857-4685-be1f-d57550cc96cc" xsi:nil="true"/>
+    <OriginAsset xmlns="4873beb7-5857-4685-be1f-d57550cc96cc" xsi:nil="true"/>
+    <TPComponent xmlns="4873beb7-5857-4685-be1f-d57550cc96cc" xsi:nil="true"/>
+    <AssetId xmlns="4873beb7-5857-4685-be1f-d57550cc96cc">TP102923943</AssetId>
+    <IntlLocPriority xmlns="4873beb7-5857-4685-be1f-d57550cc96cc" xsi:nil="true"/>
+    <PolicheckWords xmlns="4873beb7-5857-4685-be1f-d57550cc96cc" xsi:nil="true"/>
+    <TPLaunchHelpLink xmlns="4873beb7-5857-4685-be1f-d57550cc96cc" xsi:nil="true"/>
+    <TPApplication xmlns="4873beb7-5857-4685-be1f-d57550cc96cc" xsi:nil="true"/>
+    <CrawlForDependencies xmlns="4873beb7-5857-4685-be1f-d57550cc96cc">false</CrawlForDependencies>
+    <HandoffToMSDN xmlns="4873beb7-5857-4685-be1f-d57550cc96cc" xsi:nil="true"/>
+    <PlannedPubDate xmlns="4873beb7-5857-4685-be1f-d57550cc96cc" xsi:nil="true"/>
+    <IntlLangReviewer xmlns="4873beb7-5857-4685-be1f-d57550cc96cc" xsi:nil="true"/>
+    <TrustLevel xmlns="4873beb7-5857-4685-be1f-d57550cc96cc">1 Microsoft Managed Content</TrustLevel>
+    <LocLastLocAttemptVersionLookup xmlns="4873beb7-5857-4685-be1f-d57550cc96cc">843282</LocLastLocAttemptVersionLookup>
+    <IsSearchable xmlns="4873beb7-5857-4685-be1f-d57550cc96cc">true</IsSearchable>
+    <TemplateTemplateType xmlns="4873beb7-5857-4685-be1f-d57550cc96cc">PowerPoint Template - Slideshow Launch</TemplateTemplateType>
+    <CampaignTagsTaxHTField0 xmlns="4873beb7-5857-4685-be1f-d57550cc96cc">
+      <Terms xmlns="http://schemas.microsoft.com/office/infopath/2007/PartnerControls"/>
+    </CampaignTagsTaxHTField0>
+    <TPNamespace xmlns="4873beb7-5857-4685-be1f-d57550cc96cc" xsi:nil="true"/>
+    <TaxCatchAll xmlns="4873beb7-5857-4685-be1f-d57550cc96cc"/>
+    <Markets xmlns="4873beb7-5857-4685-be1f-d57550cc96cc"/>
+    <UAProjectedTotalWords xmlns="4873beb7-5857-4685-be1f-d57550cc96cc" xsi:nil="true"/>
+    <IntlLangReview xmlns="4873beb7-5857-4685-be1f-d57550cc96cc">false</IntlLangReview>
+    <OutputCachingOn xmlns="4873beb7-5857-4685-be1f-d57550cc96cc">false</OutputCachingOn>
+    <AverageRating xmlns="4873beb7-5857-4685-be1f-d57550cc96cc" xsi:nil="true"/>
+    <LocMarketGroupTiers2 xmlns="4873beb7-5857-4685-be1f-d57550cc96cc" xsi:nil="true"/>
+    <APAuthor xmlns="4873beb7-5857-4685-be1f-d57550cc96cc">
+      <UserInfo>
+        <DisplayName>REDMOND\v-sa</DisplayName>
+        <AccountId>2467</AccountId>
+        <AccountType/>
+      </UserInfo>
+    </APAuthor>
+    <LocManualTestRequired xmlns="4873beb7-5857-4685-be1f-d57550cc96cc">false</LocManualTestRequired>
+    <TPCommandLine xmlns="4873beb7-5857-4685-be1f-d57550cc96cc" xsi:nil="true"/>
+    <TPAppVersion xmlns="4873beb7-5857-4685-be1f-d57550cc96cc" xsi:nil="true"/>
+    <EditorialStatus xmlns="4873beb7-5857-4685-be1f-d57550cc96cc">Complete</EditorialStatus>
+    <LastModifiedDateTime xmlns="4873beb7-5857-4685-be1f-d57550cc96cc" xsi:nil="true"/>
+    <ScenarioTagsTaxHTField0 xmlns="4873beb7-5857-4685-be1f-d57550cc96cc">
+      <Terms xmlns="http://schemas.microsoft.com/office/infopath/2007/PartnerControls"/>
+    </ScenarioTagsTaxHTField0>
+    <OriginalRelease xmlns="4873beb7-5857-4685-be1f-d57550cc96cc">15</OriginalRelease>
+    <TPLaunchHelpLinkType xmlns="4873beb7-5857-4685-be1f-d57550cc96cc">Template</TPLaunchHelpLinkType>
+    <LocalizationTagsTaxHTField0 xmlns="4873beb7-5857-4685-be1f-d57550cc96cc">
+      <Terms xmlns="http://schemas.microsoft.com/office/infopath/2007/PartnerControls"/>
+    </LocalizationTagsTaxHTField0>
+  </documentManagement>
+</p:properties>
 </file>
 
 <file path=customXml/itemProps1.xml><?xml version="1.0" encoding="utf-8"?>
-<ds:datastoreItem xmlns:ds="http://schemas.openxmlformats.org/officeDocument/2006/customXml" ds:itemID="{B970C04F-E7AC-41AB-9C6D-1B1BB88BFF7F}">
+<ds:datastoreItem xmlns:ds="http://schemas.openxmlformats.org/officeDocument/2006/customXml" ds:itemID="{C3DEC53A-9DF1-4780-BE92-17E971B7A9ED}">
   <ds:schemaRefs>
-    <ds:schemaRef ds:uri="4873beb7-5857-4685-be1f-d57550cc96cc"/>
-    <ds:schemaRef ds:uri="http://www.w3.org/XML/1998/namespace"/>
-    <ds:schemaRef ds:uri="http://purl.org/dc/elements/1.1/"/>
-    <ds:schemaRef ds:uri="http://schemas.openxmlformats.org/package/2006/metadata/core-properties"/>
-    <ds:schemaRef ds:uri="http://schemas.microsoft.com/office/2006/documentManagement/types"/>
-    <ds:schemaRef ds:uri="http://purl.org/dc/dcmitype/"/>
-    <ds:schemaRef ds:uri="http://schemas.microsoft.com/office/2006/metadata/properties"/>
-    <ds:schemaRef ds:uri="http://schemas.microsoft.com/office/infopath/2007/PartnerControls"/>
-    <ds:schemaRef ds:uri="http://purl.org/dc/terms/"/>
+    <ds:schemaRef ds:uri="http://schemas.microsoft.com/sharepoint/v3/contenttype/forms"/>
   </ds:schemaRefs>
 </ds:datastoreItem>
 </file>
@@ -8925,9 +8917,17 @@
 </file>
 
 <file path=customXml/itemProps3.xml><?xml version="1.0" encoding="utf-8"?>
-<ds:datastoreItem xmlns:ds="http://schemas.openxmlformats.org/officeDocument/2006/customXml" ds:itemID="{C3DEC53A-9DF1-4780-BE92-17E971B7A9ED}">
+<ds:datastoreItem xmlns:ds="http://schemas.openxmlformats.org/officeDocument/2006/customXml" ds:itemID="{B970C04F-E7AC-41AB-9C6D-1B1BB88BFF7F}">
   <ds:schemaRefs>
-    <ds:schemaRef ds:uri="http://schemas.microsoft.com/sharepoint/v3/contenttype/forms"/>
+    <ds:schemaRef ds:uri="4873beb7-5857-4685-be1f-d57550cc96cc"/>
+    <ds:schemaRef ds:uri="http://www.w3.org/XML/1998/namespace"/>
+    <ds:schemaRef ds:uri="http://purl.org/dc/elements/1.1/"/>
+    <ds:schemaRef ds:uri="http://schemas.openxmlformats.org/package/2006/metadata/core-properties"/>
+    <ds:schemaRef ds:uri="http://schemas.microsoft.com/office/2006/documentManagement/types"/>
+    <ds:schemaRef ds:uri="http://purl.org/dc/dcmitype/"/>
+    <ds:schemaRef ds:uri="http://schemas.microsoft.com/office/2006/metadata/properties"/>
+    <ds:schemaRef ds:uri="http://schemas.microsoft.com/office/infopath/2007/PartnerControls"/>
+    <ds:schemaRef ds:uri="http://purl.org/dc/terms/"/>
   </ds:schemaRefs>
 </ds:datastoreItem>
 </file>